--- a/report/转录组流分析程图.pptx
+++ b/report/转录组流分析程图.pptx
@@ -243,7 +243,7 @@
           <a:p>
             <a:fld id="{0C916956-5C40-4BD3-8767-13E349F7DDE8}" type="datetimeFigureOut">
               <a:rPr lang="zh-CN" altLang="en-US" smtClean="0"/>
-              <a:t>2021/3/22</a:t>
+              <a:t>2021/6/9</a:t>
             </a:fld>
             <a:endParaRPr lang="zh-CN" altLang="en-US"/>
           </a:p>
@@ -413,7 +413,7 @@
           <a:p>
             <a:fld id="{0C916956-5C40-4BD3-8767-13E349F7DDE8}" type="datetimeFigureOut">
               <a:rPr lang="zh-CN" altLang="en-US" smtClean="0"/>
-              <a:t>2021/3/22</a:t>
+              <a:t>2021/6/9</a:t>
             </a:fld>
             <a:endParaRPr lang="zh-CN" altLang="en-US"/>
           </a:p>
@@ -593,7 +593,7 @@
           <a:p>
             <a:fld id="{0C916956-5C40-4BD3-8767-13E349F7DDE8}" type="datetimeFigureOut">
               <a:rPr lang="zh-CN" altLang="en-US" smtClean="0"/>
-              <a:t>2021/3/22</a:t>
+              <a:t>2021/6/9</a:t>
             </a:fld>
             <a:endParaRPr lang="zh-CN" altLang="en-US"/>
           </a:p>
@@ -763,7 +763,7 @@
           <a:p>
             <a:fld id="{0C916956-5C40-4BD3-8767-13E349F7DDE8}" type="datetimeFigureOut">
               <a:rPr lang="zh-CN" altLang="en-US" smtClean="0"/>
-              <a:t>2021/3/22</a:t>
+              <a:t>2021/6/9</a:t>
             </a:fld>
             <a:endParaRPr lang="zh-CN" altLang="en-US"/>
           </a:p>
@@ -1007,7 +1007,7 @@
           <a:p>
             <a:fld id="{0C916956-5C40-4BD3-8767-13E349F7DDE8}" type="datetimeFigureOut">
               <a:rPr lang="zh-CN" altLang="en-US" smtClean="0"/>
-              <a:t>2021/3/22</a:t>
+              <a:t>2021/6/9</a:t>
             </a:fld>
             <a:endParaRPr lang="zh-CN" altLang="en-US"/>
           </a:p>
@@ -1239,7 +1239,7 @@
           <a:p>
             <a:fld id="{0C916956-5C40-4BD3-8767-13E349F7DDE8}" type="datetimeFigureOut">
               <a:rPr lang="zh-CN" altLang="en-US" smtClean="0"/>
-              <a:t>2021/3/22</a:t>
+              <a:t>2021/6/9</a:t>
             </a:fld>
             <a:endParaRPr lang="zh-CN" altLang="en-US"/>
           </a:p>
@@ -1606,7 +1606,7 @@
           <a:p>
             <a:fld id="{0C916956-5C40-4BD3-8767-13E349F7DDE8}" type="datetimeFigureOut">
               <a:rPr lang="zh-CN" altLang="en-US" smtClean="0"/>
-              <a:t>2021/3/22</a:t>
+              <a:t>2021/6/9</a:t>
             </a:fld>
             <a:endParaRPr lang="zh-CN" altLang="en-US"/>
           </a:p>
@@ -1724,7 +1724,7 @@
           <a:p>
             <a:fld id="{0C916956-5C40-4BD3-8767-13E349F7DDE8}" type="datetimeFigureOut">
               <a:rPr lang="zh-CN" altLang="en-US" smtClean="0"/>
-              <a:t>2021/3/22</a:t>
+              <a:t>2021/6/9</a:t>
             </a:fld>
             <a:endParaRPr lang="zh-CN" altLang="en-US"/>
           </a:p>
@@ -1819,7 +1819,7 @@
           <a:p>
             <a:fld id="{0C916956-5C40-4BD3-8767-13E349F7DDE8}" type="datetimeFigureOut">
               <a:rPr lang="zh-CN" altLang="en-US" smtClean="0"/>
-              <a:t>2021/3/22</a:t>
+              <a:t>2021/6/9</a:t>
             </a:fld>
             <a:endParaRPr lang="zh-CN" altLang="en-US"/>
           </a:p>
@@ -2096,7 +2096,7 @@
           <a:p>
             <a:fld id="{0C916956-5C40-4BD3-8767-13E349F7DDE8}" type="datetimeFigureOut">
               <a:rPr lang="zh-CN" altLang="en-US" smtClean="0"/>
-              <a:t>2021/3/22</a:t>
+              <a:t>2021/6/9</a:t>
             </a:fld>
             <a:endParaRPr lang="zh-CN" altLang="en-US"/>
           </a:p>
@@ -2353,7 +2353,7 @@
           <a:p>
             <a:fld id="{0C916956-5C40-4BD3-8767-13E349F7DDE8}" type="datetimeFigureOut">
               <a:rPr lang="zh-CN" altLang="en-US" smtClean="0"/>
-              <a:t>2021/3/22</a:t>
+              <a:t>2021/6/9</a:t>
             </a:fld>
             <a:endParaRPr lang="zh-CN" altLang="en-US"/>
           </a:p>
@@ -2566,7 +2566,7 @@
           <a:p>
             <a:fld id="{0C916956-5C40-4BD3-8767-13E349F7DDE8}" type="datetimeFigureOut">
               <a:rPr lang="zh-CN" altLang="en-US" smtClean="0"/>
-              <a:t>2021/3/22</a:t>
+              <a:t>2021/6/9</a:t>
             </a:fld>
             <a:endParaRPr lang="zh-CN" altLang="en-US"/>
           </a:p>
@@ -3348,7 +3348,7 @@
         </p:nvSpPr>
         <p:spPr>
           <a:xfrm>
-            <a:off x="5285171" y="4999733"/>
+            <a:off x="4139949" y="4994129"/>
             <a:ext cx="1967883" cy="584775"/>
           </a:xfrm>
           <a:prstGeom prst="rect">
@@ -3417,7 +3417,7 @@
         </p:nvSpPr>
         <p:spPr>
           <a:xfrm>
-            <a:off x="3074623" y="5001087"/>
+            <a:off x="2065533" y="4994129"/>
             <a:ext cx="1967883" cy="338554"/>
           </a:xfrm>
           <a:prstGeom prst="rect">
@@ -3848,7 +3848,7 @@
         </p:nvSpPr>
         <p:spPr>
           <a:xfrm>
-            <a:off x="4012693" y="4602586"/>
+            <a:off x="2858445" y="4598633"/>
             <a:ext cx="73985" cy="338554"/>
           </a:xfrm>
           <a:prstGeom prst="downArrow">
@@ -3988,7 +3988,7 @@
         </p:nvSpPr>
         <p:spPr>
           <a:xfrm>
-            <a:off x="6214365" y="4602586"/>
+            <a:off x="7161313" y="4598633"/>
             <a:ext cx="73985" cy="338554"/>
           </a:xfrm>
           <a:prstGeom prst="downArrow">
@@ -4174,8 +4174,8 @@
         </p:nvSpPr>
         <p:spPr>
           <a:xfrm>
-            <a:off x="4042314" y="4598634"/>
-            <a:ext cx="2189807" cy="45719"/>
+            <a:off x="2895438" y="4598633"/>
+            <a:ext cx="4295475" cy="45719"/>
           </a:xfrm>
           <a:prstGeom prst="rect">
             <a:avLst/>
@@ -4501,6 +4501,191 @@
         <p:spPr>
           <a:xfrm rot="5400000">
             <a:off x="3852295" y="3259723"/>
+            <a:ext cx="73985" cy="338554"/>
+          </a:xfrm>
+          <a:prstGeom prst="downArrow">
+            <a:avLst/>
+          </a:prstGeom>
+        </p:spPr>
+        <p:style>
+          <a:lnRef idx="2">
+            <a:schemeClr val="dk1">
+              <a:shade val="50000"/>
+            </a:schemeClr>
+          </a:lnRef>
+          <a:fillRef idx="1">
+            <a:schemeClr val="dk1"/>
+          </a:fillRef>
+          <a:effectRef idx="0">
+            <a:schemeClr val="dk1"/>
+          </a:effectRef>
+          <a:fontRef idx="minor">
+            <a:schemeClr val="lt1"/>
+          </a:fontRef>
+        </p:style>
+        <p:txBody>
+          <a:bodyPr rtlCol="0" anchor="ctr"/>
+          <a:lstStyle>
+            <a:defPPr>
+              <a:defRPr lang="zh-CN"/>
+            </a:defPPr>
+            <a:lvl1pPr marL="0" algn="l" defTabSz="914400" rtl="0" eaLnBrk="1" latinLnBrk="0" hangingPunct="1">
+              <a:defRPr sz="1800" kern="1200">
+                <a:solidFill>
+                  <a:schemeClr val="lt1"/>
+                </a:solidFill>
+                <a:latin typeface="+mn-lt"/>
+                <a:ea typeface="+mn-ea"/>
+                <a:cs typeface="+mn-cs"/>
+              </a:defRPr>
+            </a:lvl1pPr>
+            <a:lvl2pPr marL="457200" algn="l" defTabSz="914400" rtl="0" eaLnBrk="1" latinLnBrk="0" hangingPunct="1">
+              <a:defRPr sz="1800" kern="1200">
+                <a:solidFill>
+                  <a:schemeClr val="lt1"/>
+                </a:solidFill>
+                <a:latin typeface="+mn-lt"/>
+                <a:ea typeface="+mn-ea"/>
+                <a:cs typeface="+mn-cs"/>
+              </a:defRPr>
+            </a:lvl2pPr>
+            <a:lvl3pPr marL="914400" algn="l" defTabSz="914400" rtl="0" eaLnBrk="1" latinLnBrk="0" hangingPunct="1">
+              <a:defRPr sz="1800" kern="1200">
+                <a:solidFill>
+                  <a:schemeClr val="lt1"/>
+                </a:solidFill>
+                <a:latin typeface="+mn-lt"/>
+                <a:ea typeface="+mn-ea"/>
+                <a:cs typeface="+mn-cs"/>
+              </a:defRPr>
+            </a:lvl3pPr>
+            <a:lvl4pPr marL="1371600" algn="l" defTabSz="914400" rtl="0" eaLnBrk="1" latinLnBrk="0" hangingPunct="1">
+              <a:defRPr sz="1800" kern="1200">
+                <a:solidFill>
+                  <a:schemeClr val="lt1"/>
+                </a:solidFill>
+                <a:latin typeface="+mn-lt"/>
+                <a:ea typeface="+mn-ea"/>
+                <a:cs typeface="+mn-cs"/>
+              </a:defRPr>
+            </a:lvl4pPr>
+            <a:lvl5pPr marL="1828800" algn="l" defTabSz="914400" rtl="0" eaLnBrk="1" latinLnBrk="0" hangingPunct="1">
+              <a:defRPr sz="1800" kern="1200">
+                <a:solidFill>
+                  <a:schemeClr val="lt1"/>
+                </a:solidFill>
+                <a:latin typeface="+mn-lt"/>
+                <a:ea typeface="+mn-ea"/>
+                <a:cs typeface="+mn-cs"/>
+              </a:defRPr>
+            </a:lvl5pPr>
+            <a:lvl6pPr marL="2286000" algn="l" defTabSz="914400" rtl="0" eaLnBrk="1" latinLnBrk="0" hangingPunct="1">
+              <a:defRPr sz="1800" kern="1200">
+                <a:solidFill>
+                  <a:schemeClr val="lt1"/>
+                </a:solidFill>
+                <a:latin typeface="+mn-lt"/>
+                <a:ea typeface="+mn-ea"/>
+                <a:cs typeface="+mn-cs"/>
+              </a:defRPr>
+            </a:lvl6pPr>
+            <a:lvl7pPr marL="2743200" algn="l" defTabSz="914400" rtl="0" eaLnBrk="1" latinLnBrk="0" hangingPunct="1">
+              <a:defRPr sz="1800" kern="1200">
+                <a:solidFill>
+                  <a:schemeClr val="lt1"/>
+                </a:solidFill>
+                <a:latin typeface="+mn-lt"/>
+                <a:ea typeface="+mn-ea"/>
+                <a:cs typeface="+mn-cs"/>
+              </a:defRPr>
+            </a:lvl7pPr>
+            <a:lvl8pPr marL="3200400" algn="l" defTabSz="914400" rtl="0" eaLnBrk="1" latinLnBrk="0" hangingPunct="1">
+              <a:defRPr sz="1800" kern="1200">
+                <a:solidFill>
+                  <a:schemeClr val="lt1"/>
+                </a:solidFill>
+                <a:latin typeface="+mn-lt"/>
+                <a:ea typeface="+mn-ea"/>
+                <a:cs typeface="+mn-cs"/>
+              </a:defRPr>
+            </a:lvl8pPr>
+            <a:lvl9pPr marL="3657600" algn="l" defTabSz="914400" rtl="0" eaLnBrk="1" latinLnBrk="0" hangingPunct="1">
+              <a:defRPr sz="1800" kern="1200">
+                <a:solidFill>
+                  <a:schemeClr val="lt1"/>
+                </a:solidFill>
+                <a:latin typeface="+mn-lt"/>
+                <a:ea typeface="+mn-ea"/>
+                <a:cs typeface="+mn-cs"/>
+              </a:defRPr>
+            </a:lvl9pPr>
+          </a:lstStyle>
+          <a:p>
+            <a:pPr algn="ctr"/>
+            <a:endParaRPr lang="zh-CN" altLang="en-US"/>
+          </a:p>
+        </p:txBody>
+      </p:sp>
+      <p:sp>
+        <p:nvSpPr>
+          <p:cNvPr id="29" name="文本框 28">
+            <a:extLst>
+              <a:ext uri="{FF2B5EF4-FFF2-40B4-BE49-F238E27FC236}">
+                <a16:creationId xmlns:a16="http://schemas.microsoft.com/office/drawing/2014/main" id="{F480C783-FABF-427D-8209-69DFCEC4235B}"/>
+              </a:ext>
+            </a:extLst>
+          </p:cNvPr>
+          <p:cNvSpPr txBox="1"/>
+          <p:nvPr/>
+        </p:nvSpPr>
+        <p:spPr>
+          <a:xfrm>
+            <a:off x="6206971" y="4994129"/>
+            <a:ext cx="1967883" cy="338554"/>
+          </a:xfrm>
+          <a:prstGeom prst="rect">
+            <a:avLst/>
+          </a:prstGeom>
+          <a:solidFill>
+            <a:schemeClr val="accent2"/>
+          </a:solidFill>
+        </p:spPr>
+        <p:txBody>
+          <a:bodyPr wrap="square" rtlCol="0">
+            <a:spAutoFit/>
+          </a:bodyPr>
+          <a:lstStyle/>
+          <a:p>
+            <a:pPr algn="ctr"/>
+            <a:r>
+              <a:rPr lang="en-US" altLang="zh-CN" sz="1600" dirty="0">
+                <a:latin typeface="黑体" panose="02010609060101010101" pitchFamily="49" charset="-122"/>
+                <a:ea typeface="黑体" panose="02010609060101010101" pitchFamily="49" charset="-122"/>
+              </a:rPr>
+              <a:t>GSEA</a:t>
+            </a:r>
+            <a:endParaRPr lang="zh-CN" altLang="en-US" sz="1600" dirty="0">
+              <a:latin typeface="黑体" panose="02010609060101010101" pitchFamily="49" charset="-122"/>
+              <a:ea typeface="黑体" panose="02010609060101010101" pitchFamily="49" charset="-122"/>
+            </a:endParaRPr>
+          </a:p>
+        </p:txBody>
+      </p:sp>
+      <p:sp>
+        <p:nvSpPr>
+          <p:cNvPr id="30" name="箭头: 下 29">
+            <a:extLst>
+              <a:ext uri="{FF2B5EF4-FFF2-40B4-BE49-F238E27FC236}">
+                <a16:creationId xmlns:a16="http://schemas.microsoft.com/office/drawing/2014/main" id="{DF100920-BC79-4FF2-B491-9662CA970C39}"/>
+              </a:ext>
+            </a:extLst>
+          </p:cNvPr>
+          <p:cNvSpPr/>
+          <p:nvPr/>
+        </p:nvSpPr>
+        <p:spPr>
+          <a:xfrm>
+            <a:off x="5086899" y="4600979"/>
             <a:ext cx="73985" cy="338554"/>
           </a:xfrm>
           <a:prstGeom prst="downArrow">
